--- a/OfficeAndJavascript_DEVOXX2017.pptx
+++ b/OfficeAndJavascript_DEVOXX2017.pptx
@@ -4414,12 +4414,222 @@
             <p:ph type="title"/>
           </p:nvPr>
         </p:nvSpPr>
-        <p:spPr/>
+        <p:spPr>
+          <a:xfrm>
+            <a:off x="1679170" y="3441728"/>
+            <a:ext cx="21712844" cy="7231814"/>
+          </a:xfrm>
+        </p:spPr>
         <p:txBody>
-          <a:bodyPr/>
+          <a:bodyPr>
+            <a:noAutofit/>
+          </a:bodyPr>
           <a:lstStyle/>
           <a:p>
-            <a:endParaRPr lang="en-US" dirty="0"/>
+            <a:pPr algn="l"/>
+            <a:r>
+              <a:rPr lang="en-US" sz="4400" dirty="0"/>
+              <a:t>{ </a:t>
+            </a:r>
+            <a:r>
+              <a:rPr lang="en-US" sz="4400" dirty="0" smtClean="0"/>
+              <a:t/>
+            </a:r>
+            <a:br>
+              <a:rPr lang="en-US" sz="4400" dirty="0" smtClean="0"/>
+            </a:br>
+            <a:r>
+              <a:rPr lang="en-US" sz="4400" dirty="0" smtClean="0"/>
+              <a:t>	"</a:t>
+            </a:r>
+            <a:r>
+              <a:rPr lang="en-US" sz="4400" dirty="0"/>
+              <a:t>description": "</a:t>
+            </a:r>
+            <a:r>
+              <a:rPr lang="en-US" sz="7200" u="sng" dirty="0"/>
+              <a:t>IE 11.0 32-bit</a:t>
+            </a:r>
+            <a:r>
+              <a:rPr lang="en-US" sz="7200" dirty="0"/>
+              <a:t> </a:t>
+            </a:r>
+            <a:r>
+              <a:rPr lang="en-US" sz="4400" dirty="0"/>
+              <a:t>on Windows 10 64-bit", </a:t>
+            </a:r>
+            <a:r>
+              <a:rPr lang="en-US" sz="4400" dirty="0" smtClean="0"/>
+              <a:t/>
+            </a:r>
+            <a:br>
+              <a:rPr lang="en-US" sz="4400" dirty="0" smtClean="0"/>
+            </a:br>
+            <a:r>
+              <a:rPr lang="en-US" sz="4400" dirty="0"/>
+              <a:t>	</a:t>
+            </a:r>
+            <a:r>
+              <a:rPr lang="en-US" sz="4400" dirty="0" smtClean="0"/>
+              <a:t>"</a:t>
+            </a:r>
+            <a:r>
+              <a:rPr lang="en-US" sz="4400" dirty="0"/>
+              <a:t>layout": "Trident", </a:t>
+            </a:r>
+            <a:r>
+              <a:rPr lang="en-US" sz="4400" dirty="0" smtClean="0"/>
+              <a:t/>
+            </a:r>
+            <a:br>
+              <a:rPr lang="en-US" sz="4400" dirty="0" smtClean="0"/>
+            </a:br>
+            <a:r>
+              <a:rPr lang="en-US" sz="4400" dirty="0"/>
+              <a:t>	</a:t>
+            </a:r>
+            <a:r>
+              <a:rPr lang="en-US" sz="4400" dirty="0" smtClean="0"/>
+              <a:t>"</a:t>
+            </a:r>
+            <a:r>
+              <a:rPr lang="en-US" sz="4400" dirty="0"/>
+              <a:t>manufacturer": null, </a:t>
+            </a:r>
+            <a:r>
+              <a:rPr lang="en-US" sz="4400" dirty="0" smtClean="0"/>
+              <a:t/>
+            </a:r>
+            <a:br>
+              <a:rPr lang="en-US" sz="4400" dirty="0" smtClean="0"/>
+            </a:br>
+            <a:r>
+              <a:rPr lang="en-US" sz="4400" dirty="0"/>
+              <a:t>	</a:t>
+            </a:r>
+            <a:r>
+              <a:rPr lang="en-US" sz="4400" dirty="0" smtClean="0"/>
+              <a:t>"</a:t>
+            </a:r>
+            <a:r>
+              <a:rPr lang="en-US" sz="4400" dirty="0"/>
+              <a:t>name": "IE", </a:t>
+            </a:r>
+            <a:r>
+              <a:rPr lang="en-US" sz="4400" dirty="0" smtClean="0"/>
+              <a:t/>
+            </a:r>
+            <a:br>
+              <a:rPr lang="en-US" sz="4400" dirty="0" smtClean="0"/>
+            </a:br>
+            <a:r>
+              <a:rPr lang="en-US" sz="4400" dirty="0"/>
+              <a:t>	</a:t>
+            </a:r>
+            <a:r>
+              <a:rPr lang="en-US" sz="4400" dirty="0" smtClean="0"/>
+              <a:t>"</a:t>
+            </a:r>
+            <a:r>
+              <a:rPr lang="en-US" sz="4400" dirty="0"/>
+              <a:t>prerelease": null</a:t>
+            </a:r>
+            <a:r>
+              <a:rPr lang="en-US" sz="4400" dirty="0" smtClean="0"/>
+              <a:t>,</a:t>
+            </a:r>
+            <a:br>
+              <a:rPr lang="en-US" sz="4400" dirty="0" smtClean="0"/>
+            </a:br>
+            <a:r>
+              <a:rPr lang="en-US" sz="4400" dirty="0"/>
+              <a:t>	</a:t>
+            </a:r>
+            <a:r>
+              <a:rPr lang="en-US" sz="4400" dirty="0" smtClean="0"/>
+              <a:t>"</a:t>
+            </a:r>
+            <a:r>
+              <a:rPr lang="en-US" sz="4400" dirty="0"/>
+              <a:t>product": null</a:t>
+            </a:r>
+            <a:r>
+              <a:rPr lang="en-US" sz="4400" dirty="0" smtClean="0"/>
+              <a:t>,</a:t>
+            </a:r>
+            <a:br>
+              <a:rPr lang="en-US" sz="4400" dirty="0" smtClean="0"/>
+            </a:br>
+            <a:r>
+              <a:rPr lang="en-US" sz="4400" dirty="0"/>
+              <a:t>	</a:t>
+            </a:r>
+            <a:r>
+              <a:rPr lang="en-US" sz="4400" dirty="0" smtClean="0"/>
+              <a:t>"</a:t>
+            </a:r>
+            <a:r>
+              <a:rPr lang="en-US" sz="4400" dirty="0" err="1"/>
+              <a:t>ua</a:t>
+            </a:r>
+            <a:r>
+              <a:rPr lang="en-US" sz="4400" dirty="0"/>
+              <a:t>": </a:t>
+            </a:r>
+            <a:r>
+              <a:rPr lang="en-US" sz="4400" dirty="0" smtClean="0"/>
+              <a:t>“…",</a:t>
+            </a:r>
+            <a:br>
+              <a:rPr lang="en-US" sz="4400" dirty="0" smtClean="0"/>
+            </a:br>
+            <a:r>
+              <a:rPr lang="en-US" sz="4400" dirty="0"/>
+              <a:t>	</a:t>
+            </a:r>
+            <a:r>
+              <a:rPr lang="en-US" sz="4400" dirty="0" smtClean="0"/>
+              <a:t>"</a:t>
+            </a:r>
+            <a:r>
+              <a:rPr lang="en-US" sz="4400" dirty="0"/>
+              <a:t>version": "11.0</a:t>
+            </a:r>
+            <a:r>
+              <a:rPr lang="en-US" sz="4400" dirty="0" smtClean="0"/>
+              <a:t>",</a:t>
+            </a:r>
+            <a:br>
+              <a:rPr lang="en-US" sz="4400" dirty="0" smtClean="0"/>
+            </a:br>
+            <a:r>
+              <a:rPr lang="en-US" sz="4400" dirty="0"/>
+              <a:t>	</a:t>
+            </a:r>
+            <a:r>
+              <a:rPr lang="en-US" sz="4400" dirty="0" smtClean="0"/>
+              <a:t>"</a:t>
+            </a:r>
+            <a:r>
+              <a:rPr lang="en-US" sz="4400" dirty="0" err="1"/>
+              <a:t>os</a:t>
+            </a:r>
+            <a:r>
+              <a:rPr lang="en-US" sz="4400" dirty="0"/>
+              <a:t>": { "architecture": 64, "family": "Windows", "version": "10" </a:t>
+            </a:r>
+            <a:r>
+              <a:rPr lang="en-US" sz="4400" dirty="0" smtClean="0"/>
+              <a:t>}</a:t>
+            </a:r>
+            <a:br>
+              <a:rPr lang="en-US" sz="4400" dirty="0" smtClean="0"/>
+            </a:br>
+            <a:r>
+              <a:rPr lang="en-US" sz="4400" dirty="0" smtClean="0"/>
+              <a:t>}</a:t>
+            </a:r>
+            <a:endParaRPr lang="en-US" sz="4400" dirty="0"/>
           </a:p>
         </p:txBody>
       </p:sp>
